--- a/10|2-6/2023-10-4/goi-new.pptx
+++ b/10|2-6/2023-10-4/goi-new.pptx
@@ -2144,7 +2144,7 @@
                   <a:srgbClr val="000000"/>
                 </a:solidFill>
               </a:rPr>
-              <a:t>進める</a:t>
+              <a:t>反論</a:t>
             </a:r>
             <a:endParaRPr lang="en-US" sz="4800" dirty="0"/>
           </a:p>
@@ -2158,7 +2158,7 @@
                   <a:srgbClr val="000000"/>
                 </a:solidFill>
               </a:rPr>
-              <a:t>すすめる</a:t>
+              <a:t>はんろん</a:t>
             </a:r>
             <a:endParaRPr lang="en-US" sz="4800" dirty="0"/>
           </a:p>
@@ -2194,7 +2194,7 @@
                   <a:srgbClr val="000000"/>
                 </a:solidFill>
               </a:rPr>
-              <a:t>to advance, to move forward, to put (a clock, watch) forward | to carry forward (plans, work, etc.), to proceed with, to ...</a:t>
+              <a:t>objection, refutation, rebuttal, counterargument...</a:t>
             </a:r>
             <a:endParaRPr lang="en-US" sz="3600" dirty="0"/>
           </a:p>
@@ -2230,7 +2230,7 @@
                   <a:srgbClr val="000000"/>
                 </a:solidFill>
               </a:rPr>
-              <a:t>511-525</a:t>
+              <a:t>496-510</a:t>
             </a:r>
             <a:endParaRPr lang="en-US" sz="2400" dirty="0"/>
           </a:p>
@@ -2291,7 +2291,7 @@
                   <a:srgbClr val="000000"/>
                 </a:solidFill>
               </a:rPr>
-              <a:t>都会</a:t>
+              <a:t>大</a:t>
             </a:r>
             <a:endParaRPr lang="en-US" sz="4800" dirty="0"/>
           </a:p>
@@ -2305,7 +2305,7 @@
                   <a:srgbClr val="000000"/>
                 </a:solidFill>
               </a:rPr>
-              <a:t>とかい</a:t>
+              <a:t>だい</a:t>
             </a:r>
             <a:endParaRPr lang="en-US" sz="4800" dirty="0"/>
           </a:p>
@@ -2341,7 +2341,7 @@
                   <a:srgbClr val="000000"/>
                 </a:solidFill>
               </a:rPr>
-              <a:t>city | Tokyo Metropolitan Assembly...</a:t>
+              <a:t>large, big, great, huge, vast, major, important, serious, severe | great, prominent, eminent, distinguished | -sized, as ...</a:t>
             </a:r>
             <a:endParaRPr lang="en-US" sz="3600" dirty="0"/>
           </a:p>
@@ -2377,7 +2377,7 @@
                   <a:srgbClr val="000000"/>
                 </a:solidFill>
               </a:rPr>
-              <a:t>511-525</a:t>
+              <a:t>496-510</a:t>
             </a:r>
             <a:endParaRPr lang="en-US" sz="2400" dirty="0"/>
           </a:p>
@@ -2438,7 +2438,7 @@
                   <a:srgbClr val="000000"/>
                 </a:solidFill>
               </a:rPr>
-              <a:t>コンビニ</a:t>
+              <a:t>付く</a:t>
             </a:r>
             <a:endParaRPr lang="en-US" sz="4800" dirty="0"/>
           </a:p>
@@ -2452,7 +2452,7 @@
                   <a:srgbClr val="000000"/>
                 </a:solidFill>
               </a:rPr>
-              <a:t>undefined</a:t>
+              <a:t>つく</a:t>
             </a:r>
             <a:endParaRPr lang="en-US" sz="4800" dirty="0"/>
           </a:p>
@@ -2488,7 +2488,7 @@
                   <a:srgbClr val="000000"/>
                 </a:solidFill>
               </a:rPr>
-              <a:t>convenience store...</a:t>
+              <a:t>to be attached, to be connected with, to adhere, to stick, to cling | to remain imprinted, to scar, to stain, to dye | to...</a:t>
             </a:r>
             <a:endParaRPr lang="en-US" sz="3600" dirty="0"/>
           </a:p>
@@ -2524,7 +2524,7 @@
                   <a:srgbClr val="000000"/>
                 </a:solidFill>
               </a:rPr>
-              <a:t>511-525</a:t>
+              <a:t>496-510</a:t>
             </a:r>
             <a:endParaRPr lang="en-US" sz="2400" dirty="0"/>
           </a:p>
@@ -2585,7 +2585,7 @@
                   <a:srgbClr val="000000"/>
                 </a:solidFill>
               </a:rPr>
-              <a:t>営業</a:t>
+              <a:t>土地</a:t>
             </a:r>
             <a:endParaRPr lang="en-US" sz="4800" dirty="0"/>
           </a:p>
@@ -2599,7 +2599,7 @@
                   <a:srgbClr val="000000"/>
                 </a:solidFill>
               </a:rPr>
-              <a:t>えいぎょう</a:t>
+              <a:t>とち</a:t>
             </a:r>
             <a:endParaRPr lang="en-US" sz="4800" dirty="0"/>
           </a:p>
@@ -2635,7 +2635,7 @@
                   <a:srgbClr val="000000"/>
                 </a:solidFill>
               </a:rPr>
-              <a:t>business, trade, operations | sales...</a:t>
+              <a:t>plot of land, lot, soil | locality, region, place...</a:t>
             </a:r>
             <a:endParaRPr lang="en-US" sz="3600" dirty="0"/>
           </a:p>
@@ -2671,7 +2671,7 @@
                   <a:srgbClr val="000000"/>
                 </a:solidFill>
               </a:rPr>
-              <a:t>511-525</a:t>
+              <a:t>496-510</a:t>
             </a:r>
             <a:endParaRPr lang="en-US" sz="2400" dirty="0"/>
           </a:p>
@@ -2732,7 +2732,7 @@
                   <a:srgbClr val="000000"/>
                 </a:solidFill>
               </a:rPr>
-              <a:t>少子高齢化</a:t>
+              <a:t>農作物</a:t>
             </a:r>
             <a:endParaRPr lang="en-US" sz="4800" dirty="0"/>
           </a:p>
@@ -2746,7 +2746,7 @@
                   <a:srgbClr val="000000"/>
                 </a:solidFill>
               </a:rPr>
-              <a:t>しょうしこうれいか</a:t>
+              <a:t>のうさくぶつ</a:t>
             </a:r>
             <a:endParaRPr lang="en-US" sz="4800" dirty="0"/>
           </a:p>
@@ -2782,7 +2782,7 @@
                   <a:srgbClr val="000000"/>
                 </a:solidFill>
               </a:rPr>
-              <a:t>decreasing birthrate and aging population, aging population combined with the diminishing number of children, declining b...</a:t>
+              <a:t>crops, agricultural produce...</a:t>
             </a:r>
             <a:endParaRPr lang="en-US" sz="3600" dirty="0"/>
           </a:p>
@@ -2818,7 +2818,7 @@
                   <a:srgbClr val="000000"/>
                 </a:solidFill>
               </a:rPr>
-              <a:t>511-525</a:t>
+              <a:t>496-510</a:t>
             </a:r>
             <a:endParaRPr lang="en-US" sz="2400" dirty="0"/>
           </a:p>
@@ -2879,7 +2879,7 @@
                   <a:srgbClr val="000000"/>
                 </a:solidFill>
               </a:rPr>
-              <a:t>分野</a:t>
+              <a:t>矢張り</a:t>
             </a:r>
             <a:endParaRPr lang="en-US" sz="4800" dirty="0"/>
           </a:p>
@@ -2893,7 +2893,7 @@
                   <a:srgbClr val="000000"/>
                 </a:solidFill>
               </a:rPr>
-              <a:t>ぶんや</a:t>
+              <a:t>やはり</a:t>
             </a:r>
             <a:endParaRPr lang="en-US" sz="4800" dirty="0"/>
           </a:p>
@@ -2929,7 +2929,7 @@
                   <a:srgbClr val="000000"/>
                 </a:solidFill>
               </a:rPr>
-              <a:t>field, sphere, realm, division, branch...</a:t>
+              <a:t>as expected, sure enough, just as one thought | after all (is said and done), in the end, as one would expect, in any cas...</a:t>
             </a:r>
             <a:endParaRPr lang="en-US" sz="3600" dirty="0"/>
           </a:p>
@@ -2965,7 +2965,7 @@
                   <a:srgbClr val="000000"/>
                 </a:solidFill>
               </a:rPr>
-              <a:t>511-525</a:t>
+              <a:t>496-510</a:t>
             </a:r>
             <a:endParaRPr lang="en-US" sz="2400" dirty="0"/>
           </a:p>
@@ -3026,7 +3026,7 @@
                   <a:srgbClr val="000000"/>
                 </a:solidFill>
               </a:rPr>
-              <a:t>人材</a:t>
+              <a:t>頼る</a:t>
             </a:r>
             <a:endParaRPr lang="en-US" sz="4800" dirty="0"/>
           </a:p>
@@ -3040,7 +3040,7 @@
                   <a:srgbClr val="000000"/>
                 </a:solidFill>
               </a:rPr>
-              <a:t>じんざい</a:t>
+              <a:t>たよる</a:t>
             </a:r>
             <a:endParaRPr lang="en-US" sz="4800" dirty="0"/>
           </a:p>
@@ -3076,7 +3076,7 @@
                   <a:srgbClr val="000000"/>
                 </a:solidFill>
               </a:rPr>
-              <a:t>capable person, talented person | human resources, personnel...</a:t>
+              <a:t>to rely on, to depend on, to count on, to turn to (for help)...</a:t>
             </a:r>
             <a:endParaRPr lang="en-US" sz="3600" dirty="0"/>
           </a:p>
@@ -3112,7 +3112,7 @@
                   <a:srgbClr val="000000"/>
                 </a:solidFill>
               </a:rPr>
-              <a:t>511-525</a:t>
+              <a:t>496-510</a:t>
             </a:r>
             <a:endParaRPr lang="en-US" sz="2400" dirty="0"/>
           </a:p>
@@ -3173,7 +3173,7 @@
                   <a:srgbClr val="000000"/>
                 </a:solidFill>
               </a:rPr>
-              <a:t>行き成り</a:t>
+              <a:t>結論</a:t>
             </a:r>
             <a:endParaRPr lang="en-US" sz="4800" dirty="0"/>
           </a:p>
@@ -3187,7 +3187,7 @@
                   <a:srgbClr val="000000"/>
                 </a:solidFill>
               </a:rPr>
-              <a:t>いきなり</a:t>
+              <a:t>けつろん</a:t>
             </a:r>
             <a:endParaRPr lang="en-US" sz="4800" dirty="0"/>
           </a:p>
@@ -3223,7 +3223,7 @@
                   <a:srgbClr val="000000"/>
                 </a:solidFill>
               </a:rPr>
-              <a:t>abruptly, suddenly, all of a sudden, without warning...</a:t>
+              <a:t>conclusion (of an argument, discussion, study, etc.) | conclusion...</a:t>
             </a:r>
             <a:endParaRPr lang="en-US" sz="3600" dirty="0"/>
           </a:p>
@@ -3259,7 +3259,7 @@
                   <a:srgbClr val="000000"/>
                 </a:solidFill>
               </a:rPr>
-              <a:t>511-525</a:t>
+              <a:t>496-510</a:t>
             </a:r>
             <a:endParaRPr lang="en-US" sz="2400" dirty="0"/>
           </a:p>
@@ -3320,7 +3320,7 @@
                   <a:srgbClr val="000000"/>
                 </a:solidFill>
               </a:rPr>
-              <a:t>思考</a:t>
+              <a:t>賛否</a:t>
             </a:r>
             <a:endParaRPr lang="en-US" sz="4800" dirty="0"/>
           </a:p>
@@ -3334,7 +3334,7 @@
                   <a:srgbClr val="000000"/>
                 </a:solidFill>
               </a:rPr>
-              <a:t>しこう</a:t>
+              <a:t>さんぴ</a:t>
             </a:r>
             <a:endParaRPr lang="en-US" sz="4800" dirty="0"/>
           </a:p>
@@ -3370,7 +3370,7 @@
                   <a:srgbClr val="000000"/>
                 </a:solidFill>
               </a:rPr>
-              <a:t>thought, consideration, thinking...</a:t>
+              <a:t>yes and no, for and against...</a:t>
             </a:r>
             <a:endParaRPr lang="en-US" sz="3600" dirty="0"/>
           </a:p>
@@ -3406,7 +3406,7 @@
                   <a:srgbClr val="000000"/>
                 </a:solidFill>
               </a:rPr>
-              <a:t>511-525</a:t>
+              <a:t>496-510</a:t>
             </a:r>
             <a:endParaRPr lang="en-US" sz="2400" dirty="0"/>
           </a:p>
@@ -3467,7 +3467,7 @@
                   <a:srgbClr val="000000"/>
                 </a:solidFill>
               </a:rPr>
-              <a:t>切り替える</a:t>
+              <a:t>利点</a:t>
             </a:r>
             <a:endParaRPr lang="en-US" sz="4800" dirty="0"/>
           </a:p>
@@ -3481,7 +3481,7 @@
                   <a:srgbClr val="000000"/>
                 </a:solidFill>
               </a:rPr>
-              <a:t>きりかえる</a:t>
+              <a:t>りてん</a:t>
             </a:r>
             <a:endParaRPr lang="en-US" sz="4800" dirty="0"/>
           </a:p>
@@ -3517,7 +3517,7 @@
                   <a:srgbClr val="000000"/>
                 </a:solidFill>
               </a:rPr>
-              <a:t>to change, to exchange, to convert, to renew, to throw a switch, to replace, to switch over...</a:t>
+              <a:t>advantage, point in favor, point in favour...</a:t>
             </a:r>
             <a:endParaRPr lang="en-US" sz="3600" dirty="0"/>
           </a:p>
@@ -3553,7 +3553,7 @@
                   <a:srgbClr val="000000"/>
                 </a:solidFill>
               </a:rPr>
-              <a:t>511-525</a:t>
+              <a:t>496-510</a:t>
             </a:r>
             <a:endParaRPr lang="en-US" sz="2400" dirty="0"/>
           </a:p>
@@ -3614,7 +3614,7 @@
                   <a:srgbClr val="000000"/>
                 </a:solidFill>
               </a:rPr>
-              <a:t>初心者</a:t>
+              <a:t>サポート</a:t>
             </a:r>
             <a:endParaRPr lang="en-US" sz="4800" dirty="0"/>
           </a:p>
@@ -3628,7 +3628,7 @@
                   <a:srgbClr val="000000"/>
                 </a:solidFill>
               </a:rPr>
-              <a:t>しょしんしゃ</a:t>
+              <a:t>undefined</a:t>
             </a:r>
             <a:endParaRPr lang="en-US" sz="4800" dirty="0"/>
           </a:p>
@@ -3664,7 +3664,7 @@
                   <a:srgbClr val="000000"/>
                 </a:solidFill>
               </a:rPr>
-              <a:t>beginner...</a:t>
+              <a:t>support...</a:t>
             </a:r>
             <a:endParaRPr lang="en-US" sz="3600" dirty="0"/>
           </a:p>
@@ -3700,7 +3700,7 @@
                   <a:srgbClr val="000000"/>
                 </a:solidFill>
               </a:rPr>
-              <a:t>511-525</a:t>
+              <a:t>496-510</a:t>
             </a:r>
             <a:endParaRPr lang="en-US" sz="2400" dirty="0"/>
           </a:p>
@@ -3761,7 +3761,7 @@
                   <a:srgbClr val="000000"/>
                 </a:solidFill>
               </a:rPr>
-              <a:t>頃</a:t>
+              <a:t>言い換える</a:t>
             </a:r>
             <a:endParaRPr lang="en-US" sz="4800" dirty="0"/>
           </a:p>
@@ -3775,7 +3775,7 @@
                   <a:srgbClr val="000000"/>
                 </a:solidFill>
               </a:rPr>
-              <a:t>ころ</a:t>
+              <a:t>いいかえる</a:t>
             </a:r>
             <a:endParaRPr lang="en-US" sz="4800" dirty="0"/>
           </a:p>
@@ -3811,7 +3811,7 @@
                   <a:srgbClr val="000000"/>
                 </a:solidFill>
               </a:rPr>
-              <a:t>(approximate) time, around, about, toward | suitable time (or condition) | time of year, season...</a:t>
+              <a:t>to say in other words, to put another way, to express in different words, to reword, to rephrase...</a:t>
             </a:r>
             <a:endParaRPr lang="en-US" sz="3600" dirty="0"/>
           </a:p>
@@ -3847,7 +3847,7 @@
                   <a:srgbClr val="000000"/>
                 </a:solidFill>
               </a:rPr>
-              <a:t>511-525</a:t>
+              <a:t>496-510</a:t>
             </a:r>
             <a:endParaRPr lang="en-US" sz="2400" dirty="0"/>
           </a:p>
@@ -3908,7 +3908,7 @@
                   <a:srgbClr val="000000"/>
                 </a:solidFill>
               </a:rPr>
-              <a:t>何となく</a:t>
+              <a:t>レベル</a:t>
             </a:r>
             <a:endParaRPr lang="en-US" sz="4800" dirty="0"/>
           </a:p>
@@ -3922,7 +3922,7 @@
                   <a:srgbClr val="000000"/>
                 </a:solidFill>
               </a:rPr>
-              <a:t>なんとなく</a:t>
+              <a:t>undefined</a:t>
             </a:r>
             <a:endParaRPr lang="en-US" sz="4800" dirty="0"/>
           </a:p>
@@ -3958,7 +3958,7 @@
                   <a:srgbClr val="000000"/>
                 </a:solidFill>
               </a:rPr>
-              <a:t>somehow or other, for some reason or another, without knowing why...</a:t>
+              <a:t>level, standard, amount, degree, grade, rank, class | level (plane), floor, storey (story), layer, stratum | spirit level...</a:t>
             </a:r>
             <a:endParaRPr lang="en-US" sz="3600" dirty="0"/>
           </a:p>
@@ -3994,7 +3994,7 @@
                   <a:srgbClr val="000000"/>
                 </a:solidFill>
               </a:rPr>
-              <a:t>511-525</a:t>
+              <a:t>496-510</a:t>
             </a:r>
             <a:endParaRPr lang="en-US" sz="2400" dirty="0"/>
           </a:p>
@@ -4055,7 +4055,7 @@
                   <a:srgbClr val="000000"/>
                 </a:solidFill>
               </a:rPr>
-              <a:t>お喋り</a:t>
+              <a:t>強調</a:t>
             </a:r>
             <a:endParaRPr lang="en-US" sz="4800" dirty="0"/>
           </a:p>
@@ -4069,7 +4069,7 @@
                   <a:srgbClr val="000000"/>
                 </a:solidFill>
               </a:rPr>
-              <a:t>おしゃべり</a:t>
+              <a:t>きょうちょう</a:t>
             </a:r>
             <a:endParaRPr lang="en-US" sz="4800" dirty="0"/>
           </a:p>
@@ -4105,7 +4105,7 @@
                   <a:srgbClr val="000000"/>
                 </a:solidFill>
               </a:rPr>
-              <a:t>chattering, talk, idle talk, chat, chitchat, gossip | chatty, talkative, chatterbox, blabbermouth...</a:t>
+              <a:t>emphasis, stress, highlighting, underlining, underscoring | accentuating (a feature or certain part), accenting | strong ...</a:t>
             </a:r>
             <a:endParaRPr lang="en-US" sz="3600" dirty="0"/>
           </a:p>
@@ -4141,7 +4141,7 @@
                   <a:srgbClr val="000000"/>
                 </a:solidFill>
               </a:rPr>
-              <a:t>511-525</a:t>
+              <a:t>496-510</a:t>
             </a:r>
             <a:endParaRPr lang="en-US" sz="2400" dirty="0"/>
           </a:p>
@@ -4202,7 +4202,7 @@
                   <a:srgbClr val="000000"/>
                 </a:solidFill>
               </a:rPr>
-              <a:t>ゲーム</a:t>
+              <a:t>部分</a:t>
             </a:r>
             <a:endParaRPr lang="en-US" sz="4800" dirty="0"/>
           </a:p>
@@ -4216,7 +4216,7 @@
                   <a:srgbClr val="000000"/>
                 </a:solidFill>
               </a:rPr>
-              <a:t>undefined</a:t>
+              <a:t>ぶぶん</a:t>
             </a:r>
             <a:endParaRPr lang="en-US" sz="4800" dirty="0"/>
           </a:p>
@@ -4252,7 +4252,7 @@
                   <a:srgbClr val="000000"/>
                 </a:solidFill>
               </a:rPr>
-              <a:t>game...</a:t>
+              <a:t>portion, section, part...</a:t>
             </a:r>
             <a:endParaRPr lang="en-US" sz="3600" dirty="0"/>
           </a:p>
@@ -4288,7 +4288,7 @@
                   <a:srgbClr val="000000"/>
                 </a:solidFill>
               </a:rPr>
-              <a:t>511-525</a:t>
+              <a:t>496-510</a:t>
             </a:r>
             <a:endParaRPr lang="en-US" sz="2400" dirty="0"/>
           </a:p>
